--- a/7.项目结束阶段/MutualBeats团队项目报告.pptx
+++ b/7.项目结束阶段/MutualBeats团队项目报告.pptx
@@ -121,6 +121,11 @@
       </a:defRPr>
     </a:lvl9pPr>
   </p:defaultTextStyle>
+  <p:extLst>
+    <p:ext uri="{EFAFB233-063F-42B5-8137-9DF3F51BA10A}">
+      <p15:sldGuideLst xmlns:p15="http://schemas.microsoft.com/office/powerpoint/2012/main"/>
+    </p:ext>
+  </p:extLst>
 </p:presentation>
 </file>
 
@@ -527,7 +532,7 @@
           <a:p>
             <a:fld id="{D83B77F0-FA6E-4DA2-B7A3-8AAB14938A7C}" type="datetimeFigureOut">
               <a:rPr lang="zh-CN" altLang="en-US" smtClean="0"/>
-              <a:t>2016/12/25</a:t>
+              <a:t>2016/12/31</a:t>
             </a:fld>
             <a:endParaRPr lang="zh-CN" altLang="en-US"/>
           </a:p>
@@ -706,7 +711,7 @@
           <a:p>
             <a:fld id="{D83B77F0-FA6E-4DA2-B7A3-8AAB14938A7C}" type="datetimeFigureOut">
               <a:rPr lang="zh-CN" altLang="en-US" smtClean="0"/>
-              <a:t>2016/12/25</a:t>
+              <a:t>2016/12/31</a:t>
             </a:fld>
             <a:endParaRPr lang="zh-CN" altLang="en-US"/>
           </a:p>
@@ -886,7 +891,7 @@
           <a:p>
             <a:fld id="{D83B77F0-FA6E-4DA2-B7A3-8AAB14938A7C}" type="datetimeFigureOut">
               <a:rPr lang="zh-CN" altLang="en-US" smtClean="0"/>
-              <a:t>2016/12/25</a:t>
+              <a:t>2016/12/31</a:t>
             </a:fld>
             <a:endParaRPr lang="zh-CN" altLang="en-US"/>
           </a:p>
@@ -1056,7 +1061,7 @@
           <a:p>
             <a:fld id="{D83B77F0-FA6E-4DA2-B7A3-8AAB14938A7C}" type="datetimeFigureOut">
               <a:rPr lang="zh-CN" altLang="en-US" smtClean="0"/>
-              <a:t>2016/12/25</a:t>
+              <a:t>2016/12/31</a:t>
             </a:fld>
             <a:endParaRPr lang="zh-CN" altLang="en-US"/>
           </a:p>
@@ -1369,7 +1374,7 @@
           <a:p>
             <a:fld id="{D83B77F0-FA6E-4DA2-B7A3-8AAB14938A7C}" type="datetimeFigureOut">
               <a:rPr lang="zh-CN" altLang="en-US" smtClean="0"/>
-              <a:t>2016/12/25</a:t>
+              <a:t>2016/12/31</a:t>
             </a:fld>
             <a:endParaRPr lang="zh-CN" altLang="en-US"/>
           </a:p>
@@ -1755,7 +1760,7 @@
           <a:p>
             <a:fld id="{D83B77F0-FA6E-4DA2-B7A3-8AAB14938A7C}" type="datetimeFigureOut">
               <a:rPr lang="zh-CN" altLang="en-US" smtClean="0"/>
-              <a:t>2016/12/25</a:t>
+              <a:t>2016/12/31</a:t>
             </a:fld>
             <a:endParaRPr lang="zh-CN" altLang="en-US"/>
           </a:p>
@@ -2189,7 +2194,7 @@
           <a:p>
             <a:fld id="{D83B77F0-FA6E-4DA2-B7A3-8AAB14938A7C}" type="datetimeFigureOut">
               <a:rPr lang="zh-CN" altLang="en-US" smtClean="0"/>
-              <a:t>2016/12/25</a:t>
+              <a:t>2016/12/31</a:t>
             </a:fld>
             <a:endParaRPr lang="zh-CN" altLang="en-US"/>
           </a:p>
@@ -2307,7 +2312,7 @@
           <a:p>
             <a:fld id="{D83B77F0-FA6E-4DA2-B7A3-8AAB14938A7C}" type="datetimeFigureOut">
               <a:rPr lang="zh-CN" altLang="en-US" smtClean="0"/>
-              <a:t>2016/12/25</a:t>
+              <a:t>2016/12/31</a:t>
             </a:fld>
             <a:endParaRPr lang="zh-CN" altLang="en-US"/>
           </a:p>
@@ -2402,7 +2407,7 @@
           <a:p>
             <a:fld id="{D83B77F0-FA6E-4DA2-B7A3-8AAB14938A7C}" type="datetimeFigureOut">
               <a:rPr lang="zh-CN" altLang="en-US" smtClean="0"/>
-              <a:t>2016/12/25</a:t>
+              <a:t>2016/12/31</a:t>
             </a:fld>
             <a:endParaRPr lang="zh-CN" altLang="en-US"/>
           </a:p>
@@ -2752,7 +2757,7 @@
           <a:p>
             <a:fld id="{D83B77F0-FA6E-4DA2-B7A3-8AAB14938A7C}" type="datetimeFigureOut">
               <a:rPr lang="zh-CN" altLang="en-US" smtClean="0"/>
-              <a:t>2016/12/25</a:t>
+              <a:t>2016/12/31</a:t>
             </a:fld>
             <a:endParaRPr lang="zh-CN" altLang="en-US"/>
           </a:p>
@@ -3177,7 +3182,7 @@
           <a:p>
             <a:fld id="{D83B77F0-FA6E-4DA2-B7A3-8AAB14938A7C}" type="datetimeFigureOut">
               <a:rPr lang="zh-CN" altLang="en-US" smtClean="0"/>
-              <a:t>2016/12/25</a:t>
+              <a:t>2016/12/31</a:t>
             </a:fld>
             <a:endParaRPr lang="zh-CN" altLang="en-US"/>
           </a:p>
@@ -3458,7 +3463,7 @@
           <a:p>
             <a:fld id="{D83B77F0-FA6E-4DA2-B7A3-8AAB14938A7C}" type="datetimeFigureOut">
               <a:rPr lang="zh-CN" altLang="en-US" smtClean="0"/>
-              <a:t>2016/12/25</a:t>
+              <a:t>2016/12/31</a:t>
             </a:fld>
             <a:endParaRPr lang="zh-CN" altLang="en-US"/>
           </a:p>
@@ -4371,7 +4376,7 @@
         <p:spPr/>
         <p:txBody>
           <a:bodyPr>
-            <a:normAutofit fontScale="92500"/>
+            <a:normAutofit fontScale="92500" lnSpcReduction="20000"/>
           </a:bodyPr>
           <a:lstStyle/>
           <a:p>
@@ -4471,6 +4476,14 @@
             <a:r>
               <a:rPr lang="zh-CN" altLang="en-US" dirty="0" smtClean="0"/>
               <a:t>。</a:t>
+            </a:r>
+            <a:r>
+              <a:rPr lang="zh-CN" altLang="en-US" dirty="0" smtClean="0"/>
+              <a:t>同时在按模块分工的同时进行</a:t>
+            </a:r>
+            <a:r>
+              <a:rPr lang="zh-CN" altLang="en-US" smtClean="0"/>
+              <a:t>同层、跨层集成和测试</a:t>
             </a:r>
             <a:endParaRPr lang="en-US" altLang="zh-CN" dirty="0" smtClean="0"/>
           </a:p>

--- a/7.项目结束阶段/MutualBeats团队项目报告.pptx
+++ b/7.项目结束阶段/MutualBeats团队项目报告.pptx
@@ -532,7 +532,7 @@
           <a:p>
             <a:fld id="{D83B77F0-FA6E-4DA2-B7A3-8AAB14938A7C}" type="datetimeFigureOut">
               <a:rPr lang="zh-CN" altLang="en-US" smtClean="0"/>
-              <a:t>2016/12/31</a:t>
+              <a:t>16/12/31</a:t>
             </a:fld>
             <a:endParaRPr lang="zh-CN" altLang="en-US"/>
           </a:p>
@@ -711,7 +711,7 @@
           <a:p>
             <a:fld id="{D83B77F0-FA6E-4DA2-B7A3-8AAB14938A7C}" type="datetimeFigureOut">
               <a:rPr lang="zh-CN" altLang="en-US" smtClean="0"/>
-              <a:t>2016/12/31</a:t>
+              <a:t>16/12/31</a:t>
             </a:fld>
             <a:endParaRPr lang="zh-CN" altLang="en-US"/>
           </a:p>
@@ -891,7 +891,7 @@
           <a:p>
             <a:fld id="{D83B77F0-FA6E-4DA2-B7A3-8AAB14938A7C}" type="datetimeFigureOut">
               <a:rPr lang="zh-CN" altLang="en-US" smtClean="0"/>
-              <a:t>2016/12/31</a:t>
+              <a:t>16/12/31</a:t>
             </a:fld>
             <a:endParaRPr lang="zh-CN" altLang="en-US"/>
           </a:p>
@@ -1061,7 +1061,7 @@
           <a:p>
             <a:fld id="{D83B77F0-FA6E-4DA2-B7A3-8AAB14938A7C}" type="datetimeFigureOut">
               <a:rPr lang="zh-CN" altLang="en-US" smtClean="0"/>
-              <a:t>2016/12/31</a:t>
+              <a:t>16/12/31</a:t>
             </a:fld>
             <a:endParaRPr lang="zh-CN" altLang="en-US"/>
           </a:p>
@@ -1374,7 +1374,7 @@
           <a:p>
             <a:fld id="{D83B77F0-FA6E-4DA2-B7A3-8AAB14938A7C}" type="datetimeFigureOut">
               <a:rPr lang="zh-CN" altLang="en-US" smtClean="0"/>
-              <a:t>2016/12/31</a:t>
+              <a:t>16/12/31</a:t>
             </a:fld>
             <a:endParaRPr lang="zh-CN" altLang="en-US"/>
           </a:p>
@@ -1760,7 +1760,7 @@
           <a:p>
             <a:fld id="{D83B77F0-FA6E-4DA2-B7A3-8AAB14938A7C}" type="datetimeFigureOut">
               <a:rPr lang="zh-CN" altLang="en-US" smtClean="0"/>
-              <a:t>2016/12/31</a:t>
+              <a:t>16/12/31</a:t>
             </a:fld>
             <a:endParaRPr lang="zh-CN" altLang="en-US"/>
           </a:p>
@@ -2194,7 +2194,7 @@
           <a:p>
             <a:fld id="{D83B77F0-FA6E-4DA2-B7A3-8AAB14938A7C}" type="datetimeFigureOut">
               <a:rPr lang="zh-CN" altLang="en-US" smtClean="0"/>
-              <a:t>2016/12/31</a:t>
+              <a:t>16/12/31</a:t>
             </a:fld>
             <a:endParaRPr lang="zh-CN" altLang="en-US"/>
           </a:p>
@@ -2312,7 +2312,7 @@
           <a:p>
             <a:fld id="{D83B77F0-FA6E-4DA2-B7A3-8AAB14938A7C}" type="datetimeFigureOut">
               <a:rPr lang="zh-CN" altLang="en-US" smtClean="0"/>
-              <a:t>2016/12/31</a:t>
+              <a:t>16/12/31</a:t>
             </a:fld>
             <a:endParaRPr lang="zh-CN" altLang="en-US"/>
           </a:p>
@@ -2407,7 +2407,7 @@
           <a:p>
             <a:fld id="{D83B77F0-FA6E-4DA2-B7A3-8AAB14938A7C}" type="datetimeFigureOut">
               <a:rPr lang="zh-CN" altLang="en-US" smtClean="0"/>
-              <a:t>2016/12/31</a:t>
+              <a:t>16/12/31</a:t>
             </a:fld>
             <a:endParaRPr lang="zh-CN" altLang="en-US"/>
           </a:p>
@@ -2757,7 +2757,7 @@
           <a:p>
             <a:fld id="{D83B77F0-FA6E-4DA2-B7A3-8AAB14938A7C}" type="datetimeFigureOut">
               <a:rPr lang="zh-CN" altLang="en-US" smtClean="0"/>
-              <a:t>2016/12/31</a:t>
+              <a:t>16/12/31</a:t>
             </a:fld>
             <a:endParaRPr lang="zh-CN" altLang="en-US"/>
           </a:p>
@@ -3182,7 +3182,7 @@
           <a:p>
             <a:fld id="{D83B77F0-FA6E-4DA2-B7A3-8AAB14938A7C}" type="datetimeFigureOut">
               <a:rPr lang="zh-CN" altLang="en-US" smtClean="0"/>
-              <a:t>2016/12/31</a:t>
+              <a:t>16/12/31</a:t>
             </a:fld>
             <a:endParaRPr lang="zh-CN" altLang="en-US"/>
           </a:p>
@@ -3463,7 +3463,7 @@
           <a:p>
             <a:fld id="{D83B77F0-FA6E-4DA2-B7A3-8AAB14938A7C}" type="datetimeFigureOut">
               <a:rPr lang="zh-CN" altLang="en-US" smtClean="0"/>
-              <a:t>2016/12/31</a:t>
+              <a:t>16/12/31</a:t>
             </a:fld>
             <a:endParaRPr lang="zh-CN" altLang="en-US"/>
           </a:p>
@@ -4475,11 +4475,7 @@
             </a:r>
             <a:r>
               <a:rPr lang="zh-CN" altLang="en-US" dirty="0" smtClean="0"/>
-              <a:t>。</a:t>
-            </a:r>
-            <a:r>
-              <a:rPr lang="zh-CN" altLang="en-US" dirty="0" smtClean="0"/>
-              <a:t>同时在按模块分工的同时进行</a:t>
+              <a:t>。同时在按模块分工的同时进行</a:t>
             </a:r>
             <a:r>
               <a:rPr lang="zh-CN" altLang="en-US" smtClean="0"/>
@@ -4569,32 +4565,227 @@
           <a:p>
             <a:r>
               <a:rPr lang="zh-CN" altLang="en-US" dirty="0" smtClean="0"/>
-              <a:t>产品最终规模</a:t>
-            </a:r>
-            <a:endParaRPr lang="zh-CN" altLang="en-US" dirty="0"/>
-          </a:p>
-        </p:txBody>
-      </p:sp>
-      <p:sp>
-        <p:nvSpPr>
-          <p:cNvPr id="3" name="内容占位符 2"/>
-          <p:cNvSpPr>
-            <a:spLocks noGrp="1"/>
-          </p:cNvSpPr>
-          <p:nvPr>
-            <p:ph idx="1"/>
-          </p:nvPr>
-        </p:nvSpPr>
-        <p:spPr/>
-        <p:txBody>
-          <a:bodyPr/>
-          <a:lstStyle/>
-          <a:p>
+              <a:t>产品最终</a:t>
+            </a:r>
+            <a:r>
+              <a:rPr lang="zh-CN" altLang="en-US" dirty="0" smtClean="0"/>
+              <a:t>规模</a:t>
+            </a:r>
             <a:r>
               <a:rPr lang="en-US" altLang="zh-CN" dirty="0" smtClean="0"/>
               <a:t>LOC</a:t>
             </a:r>
             <a:endParaRPr lang="zh-CN" altLang="en-US" dirty="0"/>
+          </a:p>
+        </p:txBody>
+      </p:sp>
+      <p:sp>
+        <p:nvSpPr>
+          <p:cNvPr id="3" name="内容占位符 2"/>
+          <p:cNvSpPr>
+            <a:spLocks noGrp="1"/>
+          </p:cNvSpPr>
+          <p:nvPr>
+            <p:ph idx="1"/>
+          </p:nvPr>
+        </p:nvSpPr>
+        <p:spPr/>
+        <p:txBody>
+          <a:bodyPr/>
+          <a:lstStyle/>
+          <a:p>
+            <a:pPr marL="0" indent="0">
+              <a:buNone/>
+            </a:pPr>
+            <a:r>
+              <a:rPr lang="zh-CN" altLang="en-US" dirty="0">
+                <a:latin typeface="Comic Sans MS" charset="0"/>
+                <a:ea typeface="Comic Sans MS" charset="0"/>
+                <a:cs typeface="Comic Sans MS" charset="0"/>
+              </a:rPr>
+              <a:t>互联网酒店预订系统客户端</a:t>
+            </a:r>
+            <a:r>
+              <a:rPr lang="en-US" altLang="zh-CN" dirty="0" err="1" smtClean="0">
+                <a:latin typeface="Comic Sans MS" charset="0"/>
+                <a:ea typeface="Comic Sans MS" charset="0"/>
+                <a:cs typeface="Comic Sans MS" charset="0"/>
+              </a:rPr>
+              <a:t>IHOClient</a:t>
+            </a:r>
+            <a:r>
+              <a:rPr lang="zh-CN" altLang="en-US" dirty="0" smtClean="0">
+                <a:latin typeface="Comic Sans MS" charset="0"/>
+                <a:ea typeface="Comic Sans MS" charset="0"/>
+                <a:cs typeface="Comic Sans MS" charset="0"/>
+              </a:rPr>
+              <a:t> </a:t>
+            </a:r>
+            <a:r>
+              <a:rPr lang="en-US" altLang="zh-CN" dirty="0" smtClean="0">
+                <a:latin typeface="Comic Sans MS" charset="0"/>
+                <a:ea typeface="Comic Sans MS" charset="0"/>
+                <a:cs typeface="Comic Sans MS" charset="0"/>
+              </a:rPr>
+              <a:t>:</a:t>
+            </a:r>
+            <a:r>
+              <a:rPr lang="zh-CN" altLang="en-US" dirty="0" smtClean="0">
+                <a:latin typeface="Comic Sans MS" charset="0"/>
+                <a:ea typeface="Comic Sans MS" charset="0"/>
+                <a:cs typeface="Comic Sans MS" charset="0"/>
+              </a:rPr>
+              <a:t> </a:t>
+            </a:r>
+            <a:r>
+              <a:rPr lang="en-US" altLang="zh-CN" dirty="0" smtClean="0">
+                <a:latin typeface="Comic Sans MS" charset="0"/>
+                <a:ea typeface="Comic Sans MS" charset="0"/>
+                <a:cs typeface="Comic Sans MS" charset="0"/>
+              </a:rPr>
+              <a:t>31187</a:t>
+            </a:r>
+            <a:endParaRPr lang="zh-CN" altLang="en-US" dirty="0" smtClean="0">
+              <a:latin typeface="Comic Sans MS" charset="0"/>
+              <a:ea typeface="Comic Sans MS" charset="0"/>
+              <a:cs typeface="Comic Sans MS" charset="0"/>
+            </a:endParaRPr>
+          </a:p>
+          <a:p>
+            <a:pPr marL="0" indent="0">
+              <a:buNone/>
+            </a:pPr>
+            <a:r>
+              <a:rPr lang="zh-CN" altLang="en-US" dirty="0">
+                <a:latin typeface="Comic Sans MS" charset="0"/>
+                <a:ea typeface="Comic Sans MS" charset="0"/>
+                <a:cs typeface="Comic Sans MS" charset="0"/>
+              </a:rPr>
+              <a:t>互联网酒店预订系统服务器</a:t>
+            </a:r>
+            <a:r>
+              <a:rPr lang="en-US" altLang="zh-CN" sz="2000" dirty="0" err="1" smtClean="0">
+                <a:latin typeface="Comic Sans MS" charset="0"/>
+                <a:ea typeface="Comic Sans MS" charset="0"/>
+                <a:cs typeface="Comic Sans MS" charset="0"/>
+              </a:rPr>
+              <a:t>IHOServer</a:t>
+            </a:r>
+            <a:r>
+              <a:rPr lang="zh-CN" altLang="en-US" sz="2000" dirty="0" smtClean="0">
+                <a:latin typeface="Comic Sans MS" charset="0"/>
+                <a:ea typeface="Comic Sans MS" charset="0"/>
+                <a:cs typeface="Comic Sans MS" charset="0"/>
+              </a:rPr>
+              <a:t>：</a:t>
+            </a:r>
+            <a:r>
+              <a:rPr lang="en-US" altLang="zh-CN" sz="2000" dirty="0" smtClean="0">
+                <a:latin typeface="Comic Sans MS" charset="0"/>
+                <a:ea typeface="Comic Sans MS" charset="0"/>
+                <a:cs typeface="Comic Sans MS" charset="0"/>
+              </a:rPr>
+              <a:t>6752</a:t>
+            </a:r>
+            <a:endParaRPr lang="zh-CN" altLang="en-US" sz="2000" dirty="0" smtClean="0">
+              <a:latin typeface="Comic Sans MS" charset="0"/>
+              <a:ea typeface="Comic Sans MS" charset="0"/>
+              <a:cs typeface="Comic Sans MS" charset="0"/>
+            </a:endParaRPr>
+          </a:p>
+          <a:p>
+            <a:pPr marL="0" indent="0">
+              <a:buNone/>
+            </a:pPr>
+            <a:endParaRPr lang="zh-CN" altLang="en-US" dirty="0">
+              <a:latin typeface="Comic Sans MS" charset="0"/>
+              <a:ea typeface="Comic Sans MS" charset="0"/>
+              <a:cs typeface="Comic Sans MS" charset="0"/>
+            </a:endParaRPr>
+          </a:p>
+          <a:p>
+            <a:pPr marL="0" indent="0">
+              <a:buNone/>
+            </a:pPr>
+            <a:r>
+              <a:rPr lang="en-US" altLang="zh-CN" sz="2000" dirty="0" smtClean="0">
+                <a:latin typeface="Comic Sans MS" charset="0"/>
+                <a:ea typeface="Comic Sans MS" charset="0"/>
+                <a:cs typeface="Comic Sans MS" charset="0"/>
+              </a:rPr>
+              <a:t>Jav</a:t>
+            </a:r>
+            <a:r>
+              <a:rPr lang="en-US" altLang="zh-CN" dirty="0" smtClean="0">
+                <a:latin typeface="Comic Sans MS" charset="0"/>
+                <a:ea typeface="Comic Sans MS" charset="0"/>
+                <a:cs typeface="Comic Sans MS" charset="0"/>
+              </a:rPr>
+              <a:t>a</a:t>
+            </a:r>
+            <a:r>
+              <a:rPr lang="zh-CN" altLang="en-US" dirty="0" smtClean="0">
+                <a:latin typeface="Comic Sans MS" charset="0"/>
+                <a:ea typeface="Comic Sans MS" charset="0"/>
+                <a:cs typeface="Comic Sans MS" charset="0"/>
+              </a:rPr>
+              <a:t>类型：</a:t>
+            </a:r>
+            <a:r>
+              <a:rPr lang="en-US" altLang="zh-CN" dirty="0" smtClean="0">
+                <a:latin typeface="Comic Sans MS" charset="0"/>
+                <a:ea typeface="Comic Sans MS" charset="0"/>
+                <a:cs typeface="Comic Sans MS" charset="0"/>
+              </a:rPr>
+              <a:t>31390</a:t>
+            </a:r>
+            <a:endParaRPr lang="zh-CN" altLang="en-US" dirty="0" smtClean="0">
+              <a:latin typeface="Comic Sans MS" charset="0"/>
+              <a:ea typeface="Comic Sans MS" charset="0"/>
+              <a:cs typeface="Comic Sans MS" charset="0"/>
+            </a:endParaRPr>
+          </a:p>
+          <a:p>
+            <a:pPr marL="0" indent="0">
+              <a:buNone/>
+            </a:pPr>
+            <a:r>
+              <a:rPr lang="en-US" altLang="zh-CN" sz="2000" dirty="0" err="1" smtClean="0">
+                <a:latin typeface="Comic Sans MS" charset="0"/>
+                <a:ea typeface="Comic Sans MS" charset="0"/>
+                <a:cs typeface="Comic Sans MS" charset="0"/>
+              </a:rPr>
+              <a:t>Fxml</a:t>
+            </a:r>
+            <a:r>
+              <a:rPr lang="en-US" altLang="zh-CN" dirty="0" smtClean="0">
+                <a:latin typeface="Comic Sans MS" charset="0"/>
+                <a:ea typeface="Comic Sans MS" charset="0"/>
+                <a:cs typeface="Comic Sans MS" charset="0"/>
+              </a:rPr>
+              <a:t>/CSS</a:t>
+            </a:r>
+            <a:r>
+              <a:rPr lang="zh-CN" altLang="en-US" dirty="0" smtClean="0">
+                <a:latin typeface="Comic Sans MS" charset="0"/>
+                <a:ea typeface="Comic Sans MS" charset="0"/>
+                <a:cs typeface="Comic Sans MS" charset="0"/>
+              </a:rPr>
+              <a:t>类型：</a:t>
+            </a:r>
+            <a:r>
+              <a:rPr lang="en-US" altLang="zh-CN" smtClean="0">
+                <a:latin typeface="Comic Sans MS" charset="0"/>
+                <a:ea typeface="Comic Sans MS" charset="0"/>
+                <a:cs typeface="Comic Sans MS" charset="0"/>
+              </a:rPr>
+              <a:t>6549</a:t>
+            </a:r>
+            <a:endParaRPr lang="zh-CN" altLang="en-US" sz="2000" dirty="0">
+              <a:latin typeface="Comic Sans MS" charset="0"/>
+              <a:ea typeface="Comic Sans MS" charset="0"/>
+              <a:cs typeface="Comic Sans MS" charset="0"/>
+            </a:endParaRPr>
           </a:p>
         </p:txBody>
       </p:sp>
